--- a/CLR_via_CSharp/Chapter8/Presentation1.pptx
+++ b/CLR_via_CSharp/Chapter8/Presentation1.pptx
@@ -3144,13 +3144,8 @@
             </a:pPr>
             <a:r>
               <a:rPr lang="en-US" dirty="0"/>
-              <a:t>Members are instantiated in order of </a:t>
-            </a:r>
-            <a:r>
-              <a:rPr lang="en-US"/>
-              <a:t>class declaration</a:t>
-            </a:r>
-            <a:endParaRPr lang="en-US" dirty="0"/>
+              <a:t>Members are instantiated in order of class declaration</a:t>
+            </a:r>
           </a:p>
           <a:p>
             <a:pPr marL="971550" lvl="1" indent="-514350">
@@ -3257,6 +3252,26 @@
           <a:bodyPr/>
           <a:lstStyle/>
           <a:p>
+            <a:r>
+              <a:rPr lang="en-US" dirty="0"/>
+              <a:t>Value types </a:t>
+            </a:r>
+            <a:r>
+              <a:rPr lang="en-US" dirty="0">
+                <a:sym typeface="Wingdings" panose="05000000000000000000" pitchFamily="2" charset="2"/>
+              </a:rPr>
+              <a:t> have their values with them</a:t>
+            </a:r>
+          </a:p>
+          <a:p>
+            <a:r>
+              <a:rPr lang="en-US" dirty="0">
+                <a:sym typeface="Wingdings" panose="05000000000000000000" pitchFamily="2" charset="2"/>
+              </a:rPr>
+              <a:t>Reference types  point/refer to their values</a:t>
+            </a:r>
+          </a:p>
+          <a:p>
             <a:endParaRPr lang="en-US" dirty="0"/>
           </a:p>
         </p:txBody>
@@ -3354,10 +3369,43 @@
             </a:r>
           </a:p>
           <a:p>
-            <a:endParaRPr lang="en-US" dirty="0"/>
-          </a:p>
-        </p:txBody>
-      </p:sp>
+            <a:r>
+              <a:rPr lang="en-US" dirty="0"/>
+              <a:t> </a:t>
+            </a:r>
+          </a:p>
+        </p:txBody>
+      </p:sp>
+      <p:pic>
+        <p:nvPicPr>
+          <p:cNvPr id="7" name="Picture 6">
+            <a:extLst>
+              <a:ext uri="{FF2B5EF4-FFF2-40B4-BE49-F238E27FC236}">
+                <a16:creationId xmlns:a16="http://schemas.microsoft.com/office/drawing/2014/main" id="{3C74A743-4DC2-9673-4756-D34A9DB95589}"/>
+              </a:ext>
+            </a:extLst>
+          </p:cNvPr>
+          <p:cNvPicPr>
+            <a:picLocks noChangeAspect="1"/>
+          </p:cNvPicPr>
+          <p:nvPr/>
+        </p:nvPicPr>
+        <p:blipFill>
+          <a:blip r:embed="rId2"/>
+          <a:stretch>
+            <a:fillRect/>
+          </a:stretch>
+        </p:blipFill>
+        <p:spPr>
+          <a:xfrm>
+            <a:off x="1279733" y="2733909"/>
+            <a:ext cx="5011932" cy="2534770"/>
+          </a:xfrm>
+          <a:prstGeom prst="rect">
+            <a:avLst/>
+          </a:prstGeom>
+        </p:spPr>
+      </p:pic>
     </p:spTree>
     <p:extLst>
       <p:ext uri="{BB962C8B-B14F-4D97-AF65-F5344CB8AC3E}">
